--- a/adokveszek.pptx
+++ b/adokveszek.pptx
@@ -20,18 +20,18 @@
   <p:notesSz cx="6858000" cy="9144000"/>
   <p:embeddedFontLst>
     <p:embeddedFont>
-      <p:font typeface="Mulish" panose="020B0604020202020204" charset="-18"/>
+      <p:font typeface="Bebas Neue" panose="020B0606020202050201" pitchFamily="34" charset="0"/>
       <p:regular r:id="rId10"/>
-      <p:bold r:id="rId11"/>
-      <p:italic r:id="rId12"/>
-      <p:boldItalic r:id="rId13"/>
     </p:embeddedFont>
     <p:embeddedFont>
-      <p:font typeface="Bebas Neue" panose="020B0604020202020204" charset="-18"/>
-      <p:regular r:id="rId14"/>
+      <p:font typeface="Mulish" pitchFamily="2" charset="0"/>
+      <p:regular r:id="rId11"/>
+      <p:bold r:id="rId12"/>
+      <p:italic r:id="rId13"/>
+      <p:boldItalic r:id="rId14"/>
     </p:embeddedFont>
     <p:embeddedFont>
-      <p:font typeface="Quicksand" panose="020B0604020202020204" charset="-18"/>
+      <p:font typeface="Quicksand" pitchFamily="2" charset="0"/>
       <p:regular r:id="rId15"/>
       <p:bold r:id="rId16"/>
     </p:embeddedFont>
@@ -11671,7 +11671,7 @@
         </p:nvSpPr>
         <p:spPr>
           <a:xfrm>
-            <a:off x="1609200" y="1424875"/>
+            <a:off x="1626300" y="1511839"/>
             <a:ext cx="5925600" cy="2079300"/>
           </a:xfrm>
           <a:prstGeom prst="rect">
@@ -11694,64 +11694,41 @@
               <a:buNone/>
             </a:pPr>
             <a:r>
-              <a:rPr lang="en" sz="6700"/>
-              <a:t>Elegant </a:t>
-            </a:r>
-            <a:r>
-              <a:rPr lang="en" sz="5900">
+              <a:rPr lang="hu-HU" sz="5900" dirty="0" err="1">
                 <a:solidFill>
                   <a:schemeClr val="dk2"/>
                 </a:solidFill>
               </a:rPr>
-              <a:t>Bachelor Thesis</a:t>
+              <a:t>Weisses</a:t>
             </a:r>
-            <a:endParaRPr sz="5900">
+            <a:r>
+              <a:rPr lang="hu-HU" sz="5900" dirty="0">
+                <a:solidFill>
+                  <a:schemeClr val="dk2"/>
+                </a:solidFill>
+              </a:rPr>
+              <a:t> vagyok</a:t>
+            </a:r>
+            <a:br>
+              <a:rPr lang="hu-HU" sz="5900" dirty="0">
+                <a:solidFill>
+                  <a:schemeClr val="dk2"/>
+                </a:solidFill>
+              </a:rPr>
+            </a:br>
+            <a:r>
+              <a:rPr lang="hu-HU" sz="5900" dirty="0">
+                <a:solidFill>
+                  <a:schemeClr val="dk2"/>
+                </a:solidFill>
+              </a:rPr>
+              <a:t>Adok-veszek</a:t>
+            </a:r>
+            <a:endParaRPr sz="5900" dirty="0">
               <a:solidFill>
                 <a:schemeClr val="dk2"/>
               </a:solidFill>
             </a:endParaRPr>
-          </a:p>
-        </p:txBody>
-      </p:sp>
-      <p:sp>
-        <p:nvSpPr>
-          <p:cNvPr id="286" name="Google Shape;286;p29"/>
-          <p:cNvSpPr txBox="1">
-            <a:spLocks noGrp="1"/>
-          </p:cNvSpPr>
-          <p:nvPr>
-            <p:ph type="subTitle" idx="1"/>
-          </p:nvPr>
-        </p:nvSpPr>
-        <p:spPr>
-          <a:xfrm>
-            <a:off x="1609200" y="3573775"/>
-            <a:ext cx="5942700" cy="475800"/>
-          </a:xfrm>
-          <a:prstGeom prst="rect">
-            <a:avLst/>
-          </a:prstGeom>
-        </p:spPr>
-        <p:txBody>
-          <a:bodyPr spcFirstLastPara="1" wrap="square" lIns="91425" tIns="91425" rIns="91425" bIns="91425" anchor="t" anchorCtr="0">
-            <a:noAutofit/>
-          </a:bodyPr>
-          <a:lstStyle/>
-          <a:p>
-            <a:pPr marL="0" lvl="0" indent="0" algn="ctr" rtl="0">
-              <a:spcBef>
-                <a:spcPts val="0"/>
-              </a:spcBef>
-              <a:spcAft>
-                <a:spcPts val="0"/>
-              </a:spcAft>
-              <a:buNone/>
-            </a:pPr>
-            <a:r>
-              <a:rPr lang="en"/>
-              <a:t>Here is where your presentation begins</a:t>
-            </a:r>
-            <a:endParaRPr/>
           </a:p>
         </p:txBody>
       </p:sp>
@@ -11815,7 +11792,7 @@
         </p:nvSpPr>
         <p:spPr>
           <a:xfrm>
-            <a:off x="2422825" y="1865525"/>
+            <a:off x="1506600" y="1985225"/>
             <a:ext cx="239400" cy="239400"/>
           </a:xfrm>
           <a:prstGeom prst="star4">
@@ -11861,7 +11838,7 @@
         </p:nvSpPr>
         <p:spPr>
           <a:xfrm>
-            <a:off x="6733600" y="1865525"/>
+            <a:off x="7423600" y="1985225"/>
             <a:ext cx="239400" cy="239400"/>
           </a:xfrm>
           <a:prstGeom prst="star4">
@@ -11986,15 +11963,7 @@
             <a:pPr marL="0" indent="0"/>
             <a:r>
               <a:rPr lang="hu-HU" dirty="0"/>
-              <a:t>Ú</a:t>
-            </a:r>
-            <a:r>
-              <a:rPr lang="hu-HU" dirty="0" smtClean="0"/>
-              <a:t>gy </a:t>
-            </a:r>
-            <a:r>
-              <a:rPr lang="hu-HU" dirty="0"/>
-              <a:t>véljük, hogy egy ilyen jellegű platform jelentős előnyökkel járna iskolánk számára. </a:t>
+              <a:t>Úgy véljük, hogy egy ilyen jellegű platform jelentős előnyökkel járna iskolánk számára. </a:t>
             </a:r>
           </a:p>
           <a:p>
@@ -12039,50 +12008,22 @@
             <a:pPr marL="0" lvl="0" indent="0"/>
             <a:r>
               <a:rPr lang="hu-HU" dirty="0"/>
-              <a:t>L</a:t>
-            </a:r>
-            <a:r>
-              <a:rPr lang="hu-HU" dirty="0" smtClean="0"/>
-              <a:t>ehetőséget biztosítson </a:t>
-            </a:r>
-            <a:r>
-              <a:rPr lang="hu-HU" dirty="0"/>
-              <a:t>a </a:t>
-            </a:r>
-            <a:r>
-              <a:rPr lang="hu-HU" dirty="0" smtClean="0"/>
-              <a:t>diákoknak</a:t>
+              <a:t>Lehetőséget biztosítson a diákoknak</a:t>
             </a:r>
           </a:p>
           <a:p>
             <a:pPr marL="0" lvl="0" indent="0"/>
             <a:r>
               <a:rPr lang="hu-HU" dirty="0"/>
-              <a:t>A</a:t>
+              <a:t>Az iskolai közösségi életet </a:t>
             </a:r>
             <a:r>
-              <a:rPr lang="hu-HU" dirty="0" smtClean="0"/>
-              <a:t>z </a:t>
+              <a:rPr lang="hu-HU" dirty="0" err="1"/>
+              <a:t>támogathatása</a:t>
             </a:r>
             <a:r>
               <a:rPr lang="hu-HU" dirty="0"/>
-              <a:t>iskolai közösségi életet </a:t>
-            </a:r>
-            <a:r>
-              <a:rPr lang="hu-HU" dirty="0" err="1" smtClean="0"/>
-              <a:t>támogathatása</a:t>
-            </a:r>
-            <a:r>
-              <a:rPr lang="hu-HU" dirty="0" smtClean="0"/>
-              <a:t>, hozzájárulhatunk </a:t>
-            </a:r>
-            <a:r>
-              <a:rPr lang="hu-HU" dirty="0"/>
-              <a:t>a </a:t>
-            </a:r>
-            <a:r>
-              <a:rPr lang="hu-HU" dirty="0" smtClean="0"/>
-              <a:t>fenntarthatósághoz</a:t>
+              <a:t>, hozzájárulhatunk a fenntarthatósághoz</a:t>
             </a:r>
             <a:endParaRPr dirty="0"/>
           </a:p>
@@ -12115,21 +12056,13 @@
           <a:p>
             <a:r>
               <a:rPr lang="hu-HU" dirty="0"/>
-              <a:t>Minden olyan diáknak ajánljuk, aki a Weiss Manfréd iskolában tanul és szeretne </a:t>
-            </a:r>
-            <a:r>
-              <a:rPr lang="hu-HU" dirty="0" smtClean="0"/>
-              <a:t>eladni</a:t>
+              <a:t>Minden olyan diáknak ajánljuk, aki a Weiss Manfréd iskolában tanul és szeretne eladni</a:t>
             </a:r>
           </a:p>
           <a:p>
             <a:r>
-              <a:rPr lang="hu-HU" dirty="0" smtClean="0"/>
-              <a:t>illetve </a:t>
-            </a:r>
-            <a:r>
               <a:rPr lang="hu-HU" dirty="0"/>
-              <a:t>vásárolni termékeket más diáktársuktól. </a:t>
+              <a:t>illetve vásárolni termékeket más diáktársuktól. </a:t>
             </a:r>
           </a:p>
         </p:txBody>
@@ -12229,13 +12162,8 @@
             <a:pPr marL="0" indent="0"/>
             <a:r>
               <a:rPr lang="hu-HU" dirty="0"/>
-              <a:t>Kiknek szánjuk a </a:t>
+              <a:t>Kiknek szánjuk a weboldalt?</a:t>
             </a:r>
-            <a:r>
-              <a:rPr lang="hu-HU" dirty="0" smtClean="0"/>
-              <a:t>weboldalt?</a:t>
-            </a:r>
-            <a:endParaRPr lang="hu-HU" dirty="0"/>
           </a:p>
         </p:txBody>
       </p:sp>
@@ -12472,7 +12400,7 @@
               <a:buNone/>
             </a:pPr>
             <a:r>
-              <a:rPr lang="hu-HU" dirty="0" smtClean="0"/>
+              <a:rPr lang="hu-HU" dirty="0"/>
               <a:t>Termékek tábla</a:t>
             </a:r>
             <a:endParaRPr dirty="0"/>
@@ -12514,7 +12442,7 @@
               <a:buNone/>
             </a:pPr>
             <a:r>
-              <a:rPr lang="hu-HU" dirty="0" smtClean="0"/>
+              <a:rPr lang="hu-HU" dirty="0"/>
               <a:t>Kedvencek tábla</a:t>
             </a:r>
             <a:endParaRPr dirty="0"/>
@@ -12713,26 +12641,18 @@
               <a:buChar char="●"/>
             </a:pPr>
             <a:r>
-              <a:rPr lang="hu-HU" sz="1600" dirty="0" smtClean="0"/>
+              <a:rPr lang="hu-HU" sz="1600" dirty="0"/>
               <a:t>$_GET[ ]</a:t>
             </a:r>
-            <a:endParaRPr sz="1600" dirty="0" smtClean="0"/>
+            <a:endParaRPr sz="1600" dirty="0"/>
           </a:p>
           <a:p>
             <a:pPr lvl="1" indent="-317500">
               <a:buSzPts val="1400"/>
             </a:pPr>
             <a:r>
-              <a:rPr lang="hu-HU" sz="1600" dirty="0" smtClean="0"/>
-              <a:t>A </a:t>
-            </a:r>
-            <a:r>
               <a:rPr lang="hu-HU" sz="1600" dirty="0"/>
-              <a:t>felhasználó </a:t>
-            </a:r>
-            <a:r>
-              <a:rPr lang="hu-HU" sz="1600" dirty="0" smtClean="0"/>
-              <a:t>azonosítóját</a:t>
+              <a:t>A felhasználó azonosítóját</a:t>
             </a:r>
           </a:p>
           <a:p>
@@ -12741,11 +12661,7 @@
             </a:pPr>
             <a:r>
               <a:rPr lang="hu-HU" sz="1600" dirty="0"/>
-              <a:t>A termék azonosítóját </a:t>
-            </a:r>
-            <a:r>
-              <a:rPr lang="hu-HU" sz="1600" dirty="0" smtClean="0"/>
-              <a:t>segíti</a:t>
+              <a:t>A termék azonosítóját segíti</a:t>
             </a:r>
             <a:endParaRPr sz="1600" dirty="0"/>
           </a:p>
@@ -12762,7 +12678,7 @@
               <a:rPr lang="hu-HU" sz="1600" dirty="0"/>
               <a:t>$_SESSION </a:t>
             </a:r>
-            <a:endParaRPr sz="1600" dirty="0" smtClean="0"/>
+            <a:endParaRPr sz="1600" dirty="0"/>
           </a:p>
           <a:p>
             <a:pPr lvl="1" indent="-317500">
@@ -12770,11 +12686,7 @@
             </a:pPr>
             <a:r>
               <a:rPr lang="hu-HU" sz="1600" dirty="0"/>
-              <a:t>A bejelentkezett felhasználó </a:t>
-            </a:r>
-            <a:r>
-              <a:rPr lang="hu-HU" sz="1600" dirty="0" smtClean="0"/>
-              <a:t>azonosítása</a:t>
+              <a:t>A bejelentkezett felhasználó azonosítása</a:t>
             </a:r>
           </a:p>
           <a:p>
@@ -12783,17 +12695,8 @@
             </a:pPr>
             <a:r>
               <a:rPr lang="hu-HU" sz="1600" dirty="0"/>
-              <a:t>K</a:t>
+              <a:t>Kedvencek közé mentett termékek tárolása és kezelése</a:t>
             </a:r>
-            <a:r>
-              <a:rPr lang="hu-HU" sz="1600" dirty="0" smtClean="0"/>
-              <a:t>edvencek </a:t>
-            </a:r>
-            <a:r>
-              <a:rPr lang="hu-HU" sz="1600" dirty="0"/>
-              <a:t>közé mentett termékek tárolása és kezelése</a:t>
-            </a:r>
-            <a:endParaRPr lang="hu-HU" sz="1600" dirty="0" smtClean="0"/>
           </a:p>
           <a:p>
             <a:pPr indent="-317500">
@@ -12807,7 +12710,7 @@
               <a:rPr lang="hu-HU" sz="1600" dirty="0" err="1"/>
               <a:t>adb</a:t>
             </a:r>
-            <a:endParaRPr lang="hu-HU" sz="1600" dirty="0" smtClean="0"/>
+            <a:endParaRPr lang="hu-HU" sz="1600" dirty="0"/>
           </a:p>
           <a:p>
             <a:pPr lvl="1" indent="-317500">
@@ -12815,19 +12718,7 @@
             </a:pPr>
             <a:r>
               <a:rPr lang="hu-HU" sz="1600" dirty="0"/>
-              <a:t>A</a:t>
-            </a:r>
-            <a:r>
-              <a:rPr lang="hu-HU" sz="1600" dirty="0" smtClean="0"/>
-              <a:t>z </a:t>
-            </a:r>
-            <a:r>
-              <a:rPr lang="hu-HU" sz="1600" dirty="0"/>
-              <a:t>adatbázisba való bejelentkezéshez szükséges adatokat </a:t>
-            </a:r>
-            <a:r>
-              <a:rPr lang="hu-HU" sz="1600" dirty="0" smtClean="0"/>
-              <a:t>tárolja</a:t>
+              <a:t>Az adatbázisba való bejelentkezéshez szükséges adatokat tárolja</a:t>
             </a:r>
           </a:p>
           <a:p>
@@ -12836,11 +12727,7 @@
             </a:pPr>
             <a:r>
               <a:rPr lang="hu-HU" sz="1600" dirty="0"/>
-              <a:t>$_</a:t>
-            </a:r>
-            <a:r>
-              <a:rPr lang="hu-HU" sz="1600" dirty="0" smtClean="0"/>
-              <a:t>POST</a:t>
+              <a:t>$_POST</a:t>
             </a:r>
           </a:p>
           <a:p>
@@ -12849,27 +12736,7 @@
             </a:pPr>
             <a:r>
               <a:rPr lang="hu-HU" sz="1600" dirty="0"/>
-              <a:t>A</a:t>
-            </a:r>
-            <a:r>
-              <a:rPr lang="hu-HU" sz="1600" dirty="0" smtClean="0"/>
-              <a:t>datokat továbbíthatjuk </a:t>
-            </a:r>
-            <a:r>
-              <a:rPr lang="hu-HU" sz="1600" dirty="0"/>
-              <a:t>és feldolgozhatjuk </a:t>
-            </a:r>
-            <a:r>
-              <a:rPr lang="hu-HU" sz="1600" dirty="0" smtClean="0"/>
-              <a:t>a funkciók </a:t>
-            </a:r>
-            <a:r>
-              <a:rPr lang="hu-HU" sz="1600" dirty="0"/>
-              <a:t>végrehajtásához</a:t>
-            </a:r>
-            <a:r>
-              <a:rPr lang="hu-HU" sz="1600" dirty="0" smtClean="0"/>
-              <a:t> </a:t>
+              <a:t>Adatokat továbbíthatjuk és feldolgozhatjuk a funkciók végrehajtásához </a:t>
             </a:r>
           </a:p>
         </p:txBody>
@@ -13011,33 +12878,8 @@
               <a:buChar char="•"/>
             </a:pPr>
             <a:r>
-              <a:rPr lang="hu-HU" sz="1800" dirty="0" smtClean="0"/>
-              <a:t>A </a:t>
-            </a:r>
-            <a:r>
               <a:rPr lang="hu-HU" sz="1800" dirty="0"/>
-              <a:t>kép feltöltésnél JPG és PNG </a:t>
-            </a:r>
-            <a:r>
-              <a:rPr lang="hu-HU" sz="1800" dirty="0" smtClean="0"/>
-              <a:t>formátum</a:t>
-            </a:r>
-          </a:p>
-          <a:p>
-            <a:pPr marL="285750" lvl="0" indent="-285750">
-              <a:spcAft>
-                <a:spcPts val="1600"/>
-              </a:spcAft>
-              <a:buFont typeface="Arial" panose="020B0604020202020204" pitchFamily="34" charset="0"/>
-              <a:buChar char="•"/>
-            </a:pPr>
-            <a:r>
-              <a:rPr lang="hu-HU" sz="1800" dirty="0" smtClean="0"/>
-              <a:t>Hirdetésfeladás </a:t>
-            </a:r>
-            <a:r>
-              <a:rPr lang="hu-HU" sz="1800" dirty="0" smtClean="0"/>
-              <a:t>gomb</a:t>
+              <a:t>A kép feltöltésnél JPG és PNG formátum</a:t>
             </a:r>
           </a:p>
           <a:p>
@@ -13050,11 +12892,7 @@
             </a:pPr>
             <a:r>
               <a:rPr lang="hu-HU" sz="1800" dirty="0"/>
-              <a:t>F</a:t>
-            </a:r>
-            <a:r>
-              <a:rPr lang="hu-HU" sz="1800" dirty="0" smtClean="0"/>
-              <a:t>elugró üzenet</a:t>
+              <a:t>Hirdetésfeladás gomb</a:t>
             </a:r>
           </a:p>
           <a:p>
@@ -13066,7 +12904,20 @@
               <a:buChar char="•"/>
             </a:pPr>
             <a:r>
-              <a:rPr lang="hu-HU" sz="1800" dirty="0" smtClean="0"/>
+              <a:rPr lang="hu-HU" sz="1800" dirty="0"/>
+              <a:t>Felugró üzenet</a:t>
+            </a:r>
+          </a:p>
+          <a:p>
+            <a:pPr marL="285750" lvl="0" indent="-285750">
+              <a:spcAft>
+                <a:spcPts val="1600"/>
+              </a:spcAft>
+              <a:buFont typeface="Arial" panose="020B0604020202020204" pitchFamily="34" charset="0"/>
+              <a:buChar char="•"/>
+            </a:pPr>
+            <a:r>
+              <a:rPr lang="hu-HU" sz="1800" dirty="0"/>
               <a:t>Feltöltött kép mentése</a:t>
             </a:r>
             <a:endParaRPr sz="2000" dirty="0"/>
@@ -13267,33 +13118,8 @@
               <a:buChar char="•"/>
             </a:pPr>
             <a:r>
-              <a:rPr lang="hu-HU" sz="1800" dirty="0" smtClean="0"/>
-              <a:t>A </a:t>
-            </a:r>
-            <a:r>
               <a:rPr lang="hu-HU" sz="1800" dirty="0"/>
-              <a:t>kép feltöltésnél JPG és PNG </a:t>
-            </a:r>
-            <a:r>
-              <a:rPr lang="hu-HU" sz="1800" dirty="0" smtClean="0"/>
-              <a:t>formátum</a:t>
-            </a:r>
-          </a:p>
-          <a:p>
-            <a:pPr marL="285750" lvl="0" indent="-285750">
-              <a:spcAft>
-                <a:spcPts val="1600"/>
-              </a:spcAft>
-              <a:buFont typeface="Arial" panose="020B0604020202020204" pitchFamily="34" charset="0"/>
-              <a:buChar char="•"/>
-            </a:pPr>
-            <a:r>
-              <a:rPr lang="hu-HU" sz="1800" dirty="0" smtClean="0"/>
-              <a:t>Hirdetésfeladás </a:t>
-            </a:r>
-            <a:r>
-              <a:rPr lang="hu-HU" sz="1800" dirty="0" smtClean="0"/>
-              <a:t>gomb</a:t>
+              <a:t>A kép feltöltésnél JPG és PNG formátum</a:t>
             </a:r>
           </a:p>
           <a:p>
@@ -13306,11 +13132,7 @@
             </a:pPr>
             <a:r>
               <a:rPr lang="hu-HU" sz="1800" dirty="0"/>
-              <a:t>F</a:t>
-            </a:r>
-            <a:r>
-              <a:rPr lang="hu-HU" sz="1800" dirty="0" smtClean="0"/>
-              <a:t>elugró üzenet</a:t>
+              <a:t>Hirdetésfeladás gomb</a:t>
             </a:r>
           </a:p>
           <a:p>
@@ -13322,7 +13144,20 @@
               <a:buChar char="•"/>
             </a:pPr>
             <a:r>
-              <a:rPr lang="hu-HU" sz="1800" dirty="0" smtClean="0"/>
+              <a:rPr lang="hu-HU" sz="1800" dirty="0"/>
+              <a:t>Felugró üzenet</a:t>
+            </a:r>
+          </a:p>
+          <a:p>
+            <a:pPr marL="285750" lvl="0" indent="-285750">
+              <a:spcAft>
+                <a:spcPts val="1600"/>
+              </a:spcAft>
+              <a:buFont typeface="Arial" panose="020B0604020202020204" pitchFamily="34" charset="0"/>
+              <a:buChar char="•"/>
+            </a:pPr>
+            <a:r>
+              <a:rPr lang="hu-HU" sz="1800" dirty="0"/>
               <a:t>Feltöltött kép mentése</a:t>
             </a:r>
             <a:endParaRPr sz="2000" dirty="0"/>
@@ -13503,7 +13338,7 @@
               <a:buNone/>
             </a:pPr>
             <a:r>
-              <a:rPr lang="hu-HU" dirty="0" smtClean="0"/>
+              <a:rPr lang="hu-HU" dirty="0"/>
               <a:t>Felhasználói oldal</a:t>
             </a:r>
             <a:endParaRPr dirty="0"/>
